--- a/Assignment_CaseStudy/LendingClubCaseStudy/Lending_Club_Case_Study.pptx
+++ b/Assignment_CaseStudy/LendingClubCaseStudy/Lending_Club_Case_Study.pptx
@@ -147,6 +147,11 @@
       </a:defRPr>
     </a:lvl9pPr>
   </p:defaultTextStyle>
+  <p:extLst>
+    <p:ext uri="{EFAFB233-063F-42B5-8137-9DF3F51BA10A}">
+      <p15:sldGuideLst xmlns:p15="http://schemas.microsoft.com/office/powerpoint/2012/main"/>
+    </p:ext>
+  </p:extLst>
 </p:presentation>
 </file>
 
@@ -299,7 +304,7 @@
           <a:p>
             <a:fld id="{3A04CF8C-4854-4206-9608-32B95B8F26AB}" type="datetimeFigureOut">
               <a:rPr lang="en-IN" smtClean="0"/>
-              <a:t>08-08-2023</a:t>
+              <a:t>09-08-2023</a:t>
             </a:fld>
             <a:endParaRPr lang="en-IN"/>
           </a:p>
@@ -499,7 +504,7 @@
           <a:p>
             <a:fld id="{3A04CF8C-4854-4206-9608-32B95B8F26AB}" type="datetimeFigureOut">
               <a:rPr lang="en-IN" smtClean="0"/>
-              <a:t>08-08-2023</a:t>
+              <a:t>09-08-2023</a:t>
             </a:fld>
             <a:endParaRPr lang="en-IN"/>
           </a:p>
@@ -709,7 +714,7 @@
           <a:p>
             <a:fld id="{3A04CF8C-4854-4206-9608-32B95B8F26AB}" type="datetimeFigureOut">
               <a:rPr lang="en-IN" smtClean="0"/>
-              <a:t>08-08-2023</a:t>
+              <a:t>09-08-2023</a:t>
             </a:fld>
             <a:endParaRPr lang="en-IN"/>
           </a:p>
@@ -909,7 +914,7 @@
           <a:p>
             <a:fld id="{3A04CF8C-4854-4206-9608-32B95B8F26AB}" type="datetimeFigureOut">
               <a:rPr lang="en-IN" smtClean="0"/>
-              <a:t>08-08-2023</a:t>
+              <a:t>09-08-2023</a:t>
             </a:fld>
             <a:endParaRPr lang="en-IN"/>
           </a:p>
@@ -1185,7 +1190,7 @@
           <a:p>
             <a:fld id="{3A04CF8C-4854-4206-9608-32B95B8F26AB}" type="datetimeFigureOut">
               <a:rPr lang="en-IN" smtClean="0"/>
-              <a:t>08-08-2023</a:t>
+              <a:t>09-08-2023</a:t>
             </a:fld>
             <a:endParaRPr lang="en-IN"/>
           </a:p>
@@ -1453,7 +1458,7 @@
           <a:p>
             <a:fld id="{3A04CF8C-4854-4206-9608-32B95B8F26AB}" type="datetimeFigureOut">
               <a:rPr lang="en-IN" smtClean="0"/>
-              <a:t>08-08-2023</a:t>
+              <a:t>09-08-2023</a:t>
             </a:fld>
             <a:endParaRPr lang="en-IN"/>
           </a:p>
@@ -1868,7 +1873,7 @@
           <a:p>
             <a:fld id="{3A04CF8C-4854-4206-9608-32B95B8F26AB}" type="datetimeFigureOut">
               <a:rPr lang="en-IN" smtClean="0"/>
-              <a:t>08-08-2023</a:t>
+              <a:t>09-08-2023</a:t>
             </a:fld>
             <a:endParaRPr lang="en-IN"/>
           </a:p>
@@ -2010,7 +2015,7 @@
           <a:p>
             <a:fld id="{3A04CF8C-4854-4206-9608-32B95B8F26AB}" type="datetimeFigureOut">
               <a:rPr lang="en-IN" smtClean="0"/>
-              <a:t>08-08-2023</a:t>
+              <a:t>09-08-2023</a:t>
             </a:fld>
             <a:endParaRPr lang="en-IN"/>
           </a:p>
@@ -2123,7 +2128,7 @@
           <a:p>
             <a:fld id="{3A04CF8C-4854-4206-9608-32B95B8F26AB}" type="datetimeFigureOut">
               <a:rPr lang="en-IN" smtClean="0"/>
-              <a:t>08-08-2023</a:t>
+              <a:t>09-08-2023</a:t>
             </a:fld>
             <a:endParaRPr lang="en-IN"/>
           </a:p>
@@ -2436,7 +2441,7 @@
           <a:p>
             <a:fld id="{3A04CF8C-4854-4206-9608-32B95B8F26AB}" type="datetimeFigureOut">
               <a:rPr lang="en-IN" smtClean="0"/>
-              <a:t>08-08-2023</a:t>
+              <a:t>09-08-2023</a:t>
             </a:fld>
             <a:endParaRPr lang="en-IN"/>
           </a:p>
@@ -2725,7 +2730,7 @@
           <a:p>
             <a:fld id="{3A04CF8C-4854-4206-9608-32B95B8F26AB}" type="datetimeFigureOut">
               <a:rPr lang="en-IN" smtClean="0"/>
-              <a:t>08-08-2023</a:t>
+              <a:t>09-08-2023</a:t>
             </a:fld>
             <a:endParaRPr lang="en-IN"/>
           </a:p>
@@ -2968,7 +2973,7 @@
           <a:p>
             <a:fld id="{3A04CF8C-4854-4206-9608-32B95B8F26AB}" type="datetimeFigureOut">
               <a:rPr lang="en-IN" smtClean="0"/>
-              <a:t>08-08-2023</a:t>
+              <a:t>09-08-2023</a:t>
             </a:fld>
             <a:endParaRPr lang="en-IN"/>
           </a:p>
@@ -3516,82 +3521,6 @@
           </a:p>
         </p:txBody>
       </p:sp>
-      <p:sp>
-        <p:nvSpPr>
-          <p:cNvPr id="4" name="Text Placeholder 3">
-            <a:extLst>
-              <a:ext uri="{FF2B5EF4-FFF2-40B4-BE49-F238E27FC236}">
-                <a16:creationId xmlns:a16="http://schemas.microsoft.com/office/drawing/2014/main" id="{4BE73A18-7A95-23F5-9C31-2ABD5C14DB19}"/>
-              </a:ext>
-            </a:extLst>
-          </p:cNvPr>
-          <p:cNvSpPr>
-            <a:spLocks noGrp="1"/>
-          </p:cNvSpPr>
-          <p:nvPr>
-            <p:ph type="body" sz="half" idx="2"/>
-          </p:nvPr>
-        </p:nvSpPr>
-        <p:spPr>
-          <a:xfrm>
-            <a:off x="3189288" y="2057400"/>
-            <a:ext cx="3932237" cy="3811588"/>
-          </a:xfrm>
-        </p:spPr>
-        <p:txBody>
-          <a:bodyPr/>
-          <a:lstStyle/>
-          <a:p>
-            <a:r>
-              <a:rPr lang="en-US" dirty="0"/>
-              <a:t>count    36762.000000</a:t>
-            </a:r>
-          </a:p>
-          <a:p>
-            <a:r>
-              <a:rPr lang="en-US" dirty="0"/>
-              <a:t>mean        13.375227</a:t>
-            </a:r>
-          </a:p>
-          <a:p>
-            <a:r>
-              <a:rPr lang="en-US" dirty="0"/>
-              <a:t>std          6.638618</a:t>
-            </a:r>
-          </a:p>
-          <a:p>
-            <a:r>
-              <a:rPr lang="en-US" dirty="0"/>
-              <a:t>min          0.000000</a:t>
-            </a:r>
-          </a:p>
-          <a:p>
-            <a:r>
-              <a:rPr lang="en-US" dirty="0"/>
-              <a:t>25%          8.290000</a:t>
-            </a:r>
-          </a:p>
-          <a:p>
-            <a:r>
-              <a:rPr lang="en-US" dirty="0"/>
-              <a:t>50%         13.480000</a:t>
-            </a:r>
-          </a:p>
-          <a:p>
-            <a:r>
-              <a:rPr lang="en-US" dirty="0"/>
-              <a:t>75%         18.620000</a:t>
-            </a:r>
-          </a:p>
-          <a:p>
-            <a:r>
-              <a:rPr lang="en-US" dirty="0"/>
-              <a:t>max         29.990000</a:t>
-            </a:r>
-            <a:endParaRPr lang="en-IN" dirty="0"/>
-          </a:p>
-        </p:txBody>
-      </p:sp>
       <p:pic>
         <p:nvPicPr>
           <p:cNvPr id="6" name="Picture 5" descr="A graph with a line&#10;&#10;Description automatically generated">
@@ -3678,8 +3607,8 @@
         </p:nvSpPr>
         <p:spPr>
           <a:xfrm>
-            <a:off x="839788" y="5268823"/>
-            <a:ext cx="6096000" cy="1200329"/>
+            <a:off x="951107" y="1476051"/>
+            <a:ext cx="6096000" cy="1631216"/>
           </a:xfrm>
           <a:prstGeom prst="rect">
             <a:avLst/>
@@ -3693,30 +3622,602 @@
           <a:lstStyle/>
           <a:p>
             <a:r>
-              <a:rPr lang="en-IN" dirty="0"/>
-              <a:t>#findings</a:t>
-            </a:r>
-          </a:p>
-          <a:p>
-            <a:r>
-              <a:rPr lang="en-IN" dirty="0"/>
-              <a:t>#1. Average DTI is 13(approximately)</a:t>
-            </a:r>
-          </a:p>
-          <a:p>
-            <a:r>
-              <a:rPr lang="en-IN" dirty="0"/>
-              <a:t>#2. Maximum DTI is 30(approximately) and minimum is 0</a:t>
-            </a:r>
-          </a:p>
-          <a:p>
-            <a:r>
-              <a:rPr lang="en-IN" dirty="0"/>
-              <a:t>#3. Most applicants have DTI between 8.29 and 18.62</a:t>
-            </a:r>
-          </a:p>
-        </p:txBody>
-      </p:sp>
+              <a:rPr lang="en-IN" sz="2000" dirty="0"/>
+              <a:t>Findings</a:t>
+            </a:r>
+          </a:p>
+          <a:p>
+            <a:endParaRPr lang="en-IN" sz="2000" dirty="0"/>
+          </a:p>
+          <a:p>
+            <a:pPr marL="342900" indent="-342900">
+              <a:buFont typeface="Arial" panose="020B0604020202020204" pitchFamily="34" charset="0"/>
+              <a:buChar char="•"/>
+            </a:pPr>
+            <a:r>
+              <a:rPr lang="en-IN" sz="2000" dirty="0"/>
+              <a:t>Average DTI is 13(approximately)</a:t>
+            </a:r>
+          </a:p>
+          <a:p>
+            <a:pPr marL="342900" indent="-342900">
+              <a:buFont typeface="Arial" panose="020B0604020202020204" pitchFamily="34" charset="0"/>
+              <a:buChar char="•"/>
+            </a:pPr>
+            <a:r>
+              <a:rPr lang="en-IN" sz="2000" dirty="0"/>
+              <a:t>Maximum DTI is 30(approximately) and minimum is 0</a:t>
+            </a:r>
+          </a:p>
+          <a:p>
+            <a:pPr marL="342900" indent="-342900">
+              <a:buFont typeface="Arial" panose="020B0604020202020204" pitchFamily="34" charset="0"/>
+              <a:buChar char="•"/>
+            </a:pPr>
+            <a:r>
+              <a:rPr lang="en-IN" sz="2000" dirty="0"/>
+              <a:t>Most applicants have DTI between 8.29 and 18.62</a:t>
+            </a:r>
+          </a:p>
+        </p:txBody>
+      </p:sp>
+      <p:graphicFrame>
+        <p:nvGraphicFramePr>
+          <p:cNvPr id="13" name="Table 13">
+            <a:extLst>
+              <a:ext uri="{FF2B5EF4-FFF2-40B4-BE49-F238E27FC236}">
+                <a16:creationId xmlns:a16="http://schemas.microsoft.com/office/drawing/2014/main" id="{1E558436-0E92-FF22-A008-491891B561C8}"/>
+              </a:ext>
+            </a:extLst>
+          </p:cNvPr>
+          <p:cNvGraphicFramePr>
+            <a:graphicFrameLocks noGrp="1"/>
+          </p:cNvGraphicFramePr>
+          <p:nvPr>
+            <p:extLst>
+              <p:ext uri="{D42A27DB-BD31-4B8C-83A1-F6EECF244321}">
+                <p14:modId xmlns:p14="http://schemas.microsoft.com/office/powerpoint/2010/main" val="387292728"/>
+              </p:ext>
+            </p:extLst>
+          </p:nvPr>
+        </p:nvGraphicFramePr>
+        <p:xfrm>
+          <a:off x="2409824" y="3331528"/>
+          <a:ext cx="4931162" cy="2949472"/>
+        </p:xfrm>
+        <a:graphic>
+          <a:graphicData uri="http://schemas.openxmlformats.org/drawingml/2006/table">
+            <a:tbl>
+              <a:tblPr firstRow="1" bandRow="1">
+                <a:tableStyleId>{5940675A-B579-460E-94D1-54222C63F5DA}</a:tableStyleId>
+              </a:tblPr>
+              <a:tblGrid>
+                <a:gridCol w="2465581">
+                  <a:extLst>
+                    <a:ext uri="{9D8B030D-6E8A-4147-A177-3AD203B41FA5}">
+                      <a16:colId xmlns:a16="http://schemas.microsoft.com/office/drawing/2014/main" val="618396621"/>
+                    </a:ext>
+                  </a:extLst>
+                </a:gridCol>
+                <a:gridCol w="2465581">
+                  <a:extLst>
+                    <a:ext uri="{9D8B030D-6E8A-4147-A177-3AD203B41FA5}">
+                      <a16:colId xmlns:a16="http://schemas.microsoft.com/office/drawing/2014/main" val="2301857345"/>
+                    </a:ext>
+                  </a:extLst>
+                </a:gridCol>
+              </a:tblGrid>
+              <a:tr h="322964">
+                <a:tc>
+                  <a:txBody>
+                    <a:bodyPr/>
+                    <a:lstStyle/>
+                    <a:p>
+                      <a:r>
+                        <a:rPr lang="en-US" dirty="0"/>
+                        <a:t>Parameter</a:t>
+                      </a:r>
+                      <a:endParaRPr lang="en-IN" dirty="0"/>
+                    </a:p>
+                  </a:txBody>
+                  <a:tcPr/>
+                </a:tc>
+                <a:tc>
+                  <a:txBody>
+                    <a:bodyPr/>
+                    <a:lstStyle/>
+                    <a:p>
+                      <a:r>
+                        <a:rPr lang="en-US" dirty="0"/>
+                        <a:t>Value</a:t>
+                      </a:r>
+                      <a:endParaRPr lang="en-IN" dirty="0"/>
+                    </a:p>
+                  </a:txBody>
+                  <a:tcPr/>
+                </a:tc>
+                <a:extLst>
+                  <a:ext uri="{0D108BD9-81ED-4DB2-BD59-A6C34878D82A}">
+                    <a16:rowId xmlns:a16="http://schemas.microsoft.com/office/drawing/2014/main" val="2957889938"/>
+                  </a:ext>
+                </a:extLst>
+              </a:tr>
+              <a:tr h="322964">
+                <a:tc>
+                  <a:txBody>
+                    <a:bodyPr/>
+                    <a:lstStyle/>
+                    <a:p>
+                      <a:pPr algn="l" rtl="0" fontAlgn="ctr"/>
+                      <a:r>
+                        <a:rPr lang="en-IN" sz="1800" b="0" u="none" strike="noStrike" dirty="0">
+                          <a:solidFill>
+                            <a:srgbClr val="000000"/>
+                          </a:solidFill>
+                          <a:effectLst/>
+                        </a:rPr>
+                        <a:t>count</a:t>
+                      </a:r>
+                      <a:endParaRPr lang="en-IN" sz="1800" b="0" i="0" u="none" strike="noStrike" dirty="0">
+                        <a:solidFill>
+                          <a:srgbClr val="000000"/>
+                        </a:solidFill>
+                        <a:effectLst/>
+                        <a:latin typeface="Calibri" panose="020F0502020204030204" pitchFamily="34" charset="0"/>
+                      </a:endParaRPr>
+                    </a:p>
+                  </a:txBody>
+                  <a:tcPr marL="6350" marR="6350" marT="6350" marB="0" anchor="ctr"/>
+                </a:tc>
+                <a:tc>
+                  <a:txBody>
+                    <a:bodyPr/>
+                    <a:lstStyle/>
+                    <a:p>
+                      <a:pPr algn="r" fontAlgn="b"/>
+                      <a:r>
+                        <a:rPr lang="en-IN" sz="1100" b="0" u="none" strike="noStrike">
+                          <a:solidFill>
+                            <a:srgbClr val="000000"/>
+                          </a:solidFill>
+                          <a:effectLst/>
+                        </a:rPr>
+                        <a:t>36762</a:t>
+                      </a:r>
+                      <a:endParaRPr lang="en-IN" sz="1100" b="0" i="0" u="none" strike="noStrike">
+                        <a:solidFill>
+                          <a:srgbClr val="000000"/>
+                        </a:solidFill>
+                        <a:effectLst/>
+                        <a:latin typeface="Calibri" panose="020F0502020204030204" pitchFamily="34" charset="0"/>
+                      </a:endParaRPr>
+                    </a:p>
+                  </a:txBody>
+                  <a:tcPr marL="6350" marR="6350" marT="6350" marB="0" anchor="b"/>
+                </a:tc>
+                <a:extLst>
+                  <a:ext uri="{0D108BD9-81ED-4DB2-BD59-A6C34878D82A}">
+                    <a16:rowId xmlns:a16="http://schemas.microsoft.com/office/drawing/2014/main" val="4062443260"/>
+                  </a:ext>
+                </a:extLst>
+              </a:tr>
+              <a:tr h="322964">
+                <a:tc>
+                  <a:txBody>
+                    <a:bodyPr/>
+                    <a:lstStyle/>
+                    <a:p>
+                      <a:pPr algn="l" rtl="0" fontAlgn="ctr"/>
+                      <a:r>
+                        <a:rPr lang="en-IN" sz="1800" b="0" u="none" strike="noStrike" dirty="0">
+                          <a:solidFill>
+                            <a:srgbClr val="000000"/>
+                          </a:solidFill>
+                          <a:effectLst/>
+                        </a:rPr>
+                        <a:t>mean</a:t>
+                      </a:r>
+                      <a:endParaRPr lang="en-IN" sz="1800" b="0" i="0" u="none" strike="noStrike" dirty="0">
+                        <a:solidFill>
+                          <a:srgbClr val="000000"/>
+                        </a:solidFill>
+                        <a:effectLst/>
+                        <a:latin typeface="Calibri" panose="020F0502020204030204" pitchFamily="34" charset="0"/>
+                      </a:endParaRPr>
+                    </a:p>
+                  </a:txBody>
+                  <a:tcPr marL="6350" marR="6350" marT="6350" marB="0" anchor="ctr"/>
+                </a:tc>
+                <a:tc>
+                  <a:txBody>
+                    <a:bodyPr/>
+                    <a:lstStyle/>
+                    <a:p>
+                      <a:pPr algn="r" fontAlgn="b"/>
+                      <a:r>
+                        <a:rPr lang="en-IN" sz="1100" b="0" u="none" strike="noStrike" dirty="0">
+                          <a:solidFill>
+                            <a:srgbClr val="000000"/>
+                          </a:solidFill>
+                          <a:effectLst/>
+                        </a:rPr>
+                        <a:t>13.37523</a:t>
+                      </a:r>
+                      <a:endParaRPr lang="en-IN" sz="1100" b="0" i="0" u="none" strike="noStrike" dirty="0">
+                        <a:solidFill>
+                          <a:srgbClr val="000000"/>
+                        </a:solidFill>
+                        <a:effectLst/>
+                        <a:latin typeface="Calibri" panose="020F0502020204030204" pitchFamily="34" charset="0"/>
+                      </a:endParaRPr>
+                    </a:p>
+                  </a:txBody>
+                  <a:tcPr marL="6350" marR="6350" marT="6350" marB="0" anchor="b"/>
+                </a:tc>
+                <a:extLst>
+                  <a:ext uri="{0D108BD9-81ED-4DB2-BD59-A6C34878D82A}">
+                    <a16:rowId xmlns:a16="http://schemas.microsoft.com/office/drawing/2014/main" val="1634323589"/>
+                  </a:ext>
+                </a:extLst>
+              </a:tr>
+              <a:tr h="322964">
+                <a:tc>
+                  <a:txBody>
+                    <a:bodyPr/>
+                    <a:lstStyle/>
+                    <a:p>
+                      <a:pPr algn="l" rtl="0" fontAlgn="ctr"/>
+                      <a:r>
+                        <a:rPr lang="en-IN" sz="1800" b="0" u="none" strike="noStrike" dirty="0">
+                          <a:solidFill>
+                            <a:srgbClr val="000000"/>
+                          </a:solidFill>
+                          <a:effectLst/>
+                        </a:rPr>
+                        <a:t>std</a:t>
+                      </a:r>
+                      <a:endParaRPr lang="en-IN" sz="1800" b="0" i="0" u="none" strike="noStrike" dirty="0">
+                        <a:solidFill>
+                          <a:srgbClr val="000000"/>
+                        </a:solidFill>
+                        <a:effectLst/>
+                        <a:latin typeface="Calibri" panose="020F0502020204030204" pitchFamily="34" charset="0"/>
+                      </a:endParaRPr>
+                    </a:p>
+                  </a:txBody>
+                  <a:tcPr marL="6350" marR="6350" marT="6350" marB="0" anchor="ctr"/>
+                </a:tc>
+                <a:tc>
+                  <a:txBody>
+                    <a:bodyPr/>
+                    <a:lstStyle/>
+                    <a:p>
+                      <a:pPr algn="r" fontAlgn="b"/>
+                      <a:r>
+                        <a:rPr lang="en-IN" sz="1100" b="0" u="none" strike="noStrike" dirty="0">
+                          <a:solidFill>
+                            <a:srgbClr val="000000"/>
+                          </a:solidFill>
+                          <a:effectLst/>
+                        </a:rPr>
+                        <a:t>6.638618</a:t>
+                      </a:r>
+                      <a:endParaRPr lang="en-IN" sz="1100" b="0" i="0" u="none" strike="noStrike" dirty="0">
+                        <a:solidFill>
+                          <a:srgbClr val="000000"/>
+                        </a:solidFill>
+                        <a:effectLst/>
+                        <a:latin typeface="Calibri" panose="020F0502020204030204" pitchFamily="34" charset="0"/>
+                      </a:endParaRPr>
+                    </a:p>
+                  </a:txBody>
+                  <a:tcPr marL="6350" marR="6350" marT="6350" marB="0" anchor="b"/>
+                </a:tc>
+                <a:extLst>
+                  <a:ext uri="{0D108BD9-81ED-4DB2-BD59-A6C34878D82A}">
+                    <a16:rowId xmlns:a16="http://schemas.microsoft.com/office/drawing/2014/main" val="2967247370"/>
+                  </a:ext>
+                </a:extLst>
+              </a:tr>
+              <a:tr h="322964">
+                <a:tc>
+                  <a:txBody>
+                    <a:bodyPr/>
+                    <a:lstStyle/>
+                    <a:p>
+                      <a:pPr algn="l" rtl="0" fontAlgn="ctr"/>
+                      <a:r>
+                        <a:rPr lang="en-IN" sz="1800" b="0" u="none" strike="noStrike">
+                          <a:solidFill>
+                            <a:srgbClr val="000000"/>
+                          </a:solidFill>
+                          <a:effectLst/>
+                        </a:rPr>
+                        <a:t>min</a:t>
+                      </a:r>
+                      <a:endParaRPr lang="en-IN" sz="1800" b="0" i="0" u="none" strike="noStrike">
+                        <a:solidFill>
+                          <a:srgbClr val="000000"/>
+                        </a:solidFill>
+                        <a:effectLst/>
+                        <a:latin typeface="Calibri" panose="020F0502020204030204" pitchFamily="34" charset="0"/>
+                      </a:endParaRPr>
+                    </a:p>
+                  </a:txBody>
+                  <a:tcPr marL="6350" marR="6350" marT="6350" marB="0" anchor="ctr"/>
+                </a:tc>
+                <a:tc>
+                  <a:txBody>
+                    <a:bodyPr/>
+                    <a:lstStyle/>
+                    <a:p>
+                      <a:pPr algn="r" fontAlgn="b"/>
+                      <a:r>
+                        <a:rPr lang="en-IN" sz="1100" b="0" u="none" strike="noStrike" dirty="0">
+                          <a:solidFill>
+                            <a:srgbClr val="000000"/>
+                          </a:solidFill>
+                          <a:effectLst/>
+                        </a:rPr>
+                        <a:t>0</a:t>
+                      </a:r>
+                      <a:endParaRPr lang="en-IN" sz="1100" b="0" i="0" u="none" strike="noStrike" dirty="0">
+                        <a:solidFill>
+                          <a:srgbClr val="000000"/>
+                        </a:solidFill>
+                        <a:effectLst/>
+                        <a:latin typeface="Calibri" panose="020F0502020204030204" pitchFamily="34" charset="0"/>
+                      </a:endParaRPr>
+                    </a:p>
+                  </a:txBody>
+                  <a:tcPr marL="6350" marR="6350" marT="6350" marB="0" anchor="b"/>
+                </a:tc>
+                <a:extLst>
+                  <a:ext uri="{0D108BD9-81ED-4DB2-BD59-A6C34878D82A}">
+                    <a16:rowId xmlns:a16="http://schemas.microsoft.com/office/drawing/2014/main" val="3052427079"/>
+                  </a:ext>
+                </a:extLst>
+              </a:tr>
+              <a:tr h="322964">
+                <a:tc>
+                  <a:txBody>
+                    <a:bodyPr/>
+                    <a:lstStyle/>
+                    <a:p>
+                      <a:pPr algn="l" rtl="0" fontAlgn="ctr"/>
+                      <a:r>
+                        <a:rPr lang="en-IN" sz="1800" b="0" u="none" strike="noStrike">
+                          <a:solidFill>
+                            <a:srgbClr val="000000"/>
+                          </a:solidFill>
+                          <a:effectLst/>
+                        </a:rPr>
+                        <a:t>25%</a:t>
+                      </a:r>
+                      <a:endParaRPr lang="en-IN" sz="1800" b="0" i="0" u="none" strike="noStrike">
+                        <a:solidFill>
+                          <a:srgbClr val="000000"/>
+                        </a:solidFill>
+                        <a:effectLst/>
+                        <a:latin typeface="Calibri" panose="020F0502020204030204" pitchFamily="34" charset="0"/>
+                      </a:endParaRPr>
+                    </a:p>
+                  </a:txBody>
+                  <a:tcPr marL="6350" marR="6350" marT="6350" marB="0" anchor="ctr"/>
+                </a:tc>
+                <a:tc>
+                  <a:txBody>
+                    <a:bodyPr/>
+                    <a:lstStyle/>
+                    <a:p>
+                      <a:pPr algn="r" fontAlgn="b"/>
+                      <a:r>
+                        <a:rPr lang="en-IN" sz="1100" b="0" u="none" strike="noStrike" dirty="0">
+                          <a:solidFill>
+                            <a:srgbClr val="000000"/>
+                          </a:solidFill>
+                          <a:effectLst/>
+                        </a:rPr>
+                        <a:t>8.29</a:t>
+                      </a:r>
+                      <a:endParaRPr lang="en-IN" sz="1100" b="0" i="0" u="none" strike="noStrike" dirty="0">
+                        <a:solidFill>
+                          <a:srgbClr val="000000"/>
+                        </a:solidFill>
+                        <a:effectLst/>
+                        <a:latin typeface="Calibri" panose="020F0502020204030204" pitchFamily="34" charset="0"/>
+                      </a:endParaRPr>
+                    </a:p>
+                  </a:txBody>
+                  <a:tcPr marL="6350" marR="6350" marT="6350" marB="0" anchor="b"/>
+                </a:tc>
+                <a:extLst>
+                  <a:ext uri="{0D108BD9-81ED-4DB2-BD59-A6C34878D82A}">
+                    <a16:rowId xmlns:a16="http://schemas.microsoft.com/office/drawing/2014/main" val="398345322"/>
+                  </a:ext>
+                </a:extLst>
+              </a:tr>
+              <a:tr h="322964">
+                <a:tc>
+                  <a:txBody>
+                    <a:bodyPr/>
+                    <a:lstStyle/>
+                    <a:p>
+                      <a:pPr algn="l" rtl="0" fontAlgn="ctr"/>
+                      <a:r>
+                        <a:rPr lang="en-IN" sz="1800" b="0" u="none" strike="noStrike">
+                          <a:solidFill>
+                            <a:srgbClr val="000000"/>
+                          </a:solidFill>
+                          <a:effectLst/>
+                        </a:rPr>
+                        <a:t>50%</a:t>
+                      </a:r>
+                      <a:endParaRPr lang="en-IN" sz="1800" b="0" i="0" u="none" strike="noStrike">
+                        <a:solidFill>
+                          <a:srgbClr val="000000"/>
+                        </a:solidFill>
+                        <a:effectLst/>
+                        <a:latin typeface="Calibri" panose="020F0502020204030204" pitchFamily="34" charset="0"/>
+                      </a:endParaRPr>
+                    </a:p>
+                  </a:txBody>
+                  <a:tcPr marL="6350" marR="6350" marT="6350" marB="0" anchor="ctr"/>
+                </a:tc>
+                <a:tc>
+                  <a:txBody>
+                    <a:bodyPr/>
+                    <a:lstStyle/>
+                    <a:p>
+                      <a:pPr algn="r" fontAlgn="b"/>
+                      <a:r>
+                        <a:rPr lang="en-IN" sz="1100" b="0" u="none" strike="noStrike">
+                          <a:solidFill>
+                            <a:srgbClr val="000000"/>
+                          </a:solidFill>
+                          <a:effectLst/>
+                        </a:rPr>
+                        <a:t>13.48</a:t>
+                      </a:r>
+                      <a:endParaRPr lang="en-IN" sz="1100" b="0" i="0" u="none" strike="noStrike">
+                        <a:solidFill>
+                          <a:srgbClr val="000000"/>
+                        </a:solidFill>
+                        <a:effectLst/>
+                        <a:latin typeface="Calibri" panose="020F0502020204030204" pitchFamily="34" charset="0"/>
+                      </a:endParaRPr>
+                    </a:p>
+                  </a:txBody>
+                  <a:tcPr marL="6350" marR="6350" marT="6350" marB="0" anchor="b"/>
+                </a:tc>
+                <a:extLst>
+                  <a:ext uri="{0D108BD9-81ED-4DB2-BD59-A6C34878D82A}">
+                    <a16:rowId xmlns:a16="http://schemas.microsoft.com/office/drawing/2014/main" val="87545595"/>
+                  </a:ext>
+                </a:extLst>
+              </a:tr>
+              <a:tr h="322964">
+                <a:tc>
+                  <a:txBody>
+                    <a:bodyPr/>
+                    <a:lstStyle/>
+                    <a:p>
+                      <a:pPr algn="l" rtl="0" fontAlgn="ctr"/>
+                      <a:r>
+                        <a:rPr lang="en-IN" sz="1800" b="0" u="none" strike="noStrike">
+                          <a:solidFill>
+                            <a:srgbClr val="000000"/>
+                          </a:solidFill>
+                          <a:effectLst/>
+                        </a:rPr>
+                        <a:t>75%</a:t>
+                      </a:r>
+                      <a:endParaRPr lang="en-IN" sz="1800" b="0" i="0" u="none" strike="noStrike">
+                        <a:solidFill>
+                          <a:srgbClr val="000000"/>
+                        </a:solidFill>
+                        <a:effectLst/>
+                        <a:latin typeface="Calibri" panose="020F0502020204030204" pitchFamily="34" charset="0"/>
+                      </a:endParaRPr>
+                    </a:p>
+                  </a:txBody>
+                  <a:tcPr marL="6350" marR="6350" marT="6350" marB="0" anchor="ctr"/>
+                </a:tc>
+                <a:tc>
+                  <a:txBody>
+                    <a:bodyPr/>
+                    <a:lstStyle/>
+                    <a:p>
+                      <a:pPr algn="r" fontAlgn="b"/>
+                      <a:r>
+                        <a:rPr lang="en-IN" sz="1100" b="0" u="none" strike="noStrike" dirty="0">
+                          <a:solidFill>
+                            <a:srgbClr val="000000"/>
+                          </a:solidFill>
+                          <a:effectLst/>
+                        </a:rPr>
+                        <a:t>18.62</a:t>
+                      </a:r>
+                      <a:endParaRPr lang="en-IN" sz="1100" b="0" i="0" u="none" strike="noStrike" dirty="0">
+                        <a:solidFill>
+                          <a:srgbClr val="000000"/>
+                        </a:solidFill>
+                        <a:effectLst/>
+                        <a:latin typeface="Calibri" panose="020F0502020204030204" pitchFamily="34" charset="0"/>
+                      </a:endParaRPr>
+                    </a:p>
+                  </a:txBody>
+                  <a:tcPr marL="6350" marR="6350" marT="6350" marB="0" anchor="b"/>
+                </a:tc>
+                <a:extLst>
+                  <a:ext uri="{0D108BD9-81ED-4DB2-BD59-A6C34878D82A}">
+                    <a16:rowId xmlns:a16="http://schemas.microsoft.com/office/drawing/2014/main" val="1060590287"/>
+                  </a:ext>
+                </a:extLst>
+              </a:tr>
+              <a:tr h="322964">
+                <a:tc>
+                  <a:txBody>
+                    <a:bodyPr/>
+                    <a:lstStyle/>
+                    <a:p>
+                      <a:pPr algn="l" rtl="0" fontAlgn="ctr"/>
+                      <a:r>
+                        <a:rPr lang="en-IN" sz="1800" b="0" u="none" strike="noStrike">
+                          <a:solidFill>
+                            <a:srgbClr val="000000"/>
+                          </a:solidFill>
+                          <a:effectLst/>
+                        </a:rPr>
+                        <a:t>max</a:t>
+                      </a:r>
+                      <a:endParaRPr lang="en-IN" sz="1800" b="0" i="0" u="none" strike="noStrike">
+                        <a:solidFill>
+                          <a:srgbClr val="000000"/>
+                        </a:solidFill>
+                        <a:effectLst/>
+                        <a:latin typeface="Calibri" panose="020F0502020204030204" pitchFamily="34" charset="0"/>
+                      </a:endParaRPr>
+                    </a:p>
+                  </a:txBody>
+                  <a:tcPr marL="6350" marR="6350" marT="6350" marB="0" anchor="ctr"/>
+                </a:tc>
+                <a:tc>
+                  <a:txBody>
+                    <a:bodyPr/>
+                    <a:lstStyle/>
+                    <a:p>
+                      <a:pPr algn="r" fontAlgn="b"/>
+                      <a:r>
+                        <a:rPr lang="en-IN" sz="1100" b="0" u="none" strike="noStrike" dirty="0">
+                          <a:solidFill>
+                            <a:srgbClr val="000000"/>
+                          </a:solidFill>
+                          <a:effectLst/>
+                        </a:rPr>
+                        <a:t>29.99</a:t>
+                      </a:r>
+                      <a:endParaRPr lang="en-IN" sz="1100" b="0" i="0" u="none" strike="noStrike" dirty="0">
+                        <a:solidFill>
+                          <a:srgbClr val="000000"/>
+                        </a:solidFill>
+                        <a:effectLst/>
+                        <a:latin typeface="Calibri" panose="020F0502020204030204" pitchFamily="34" charset="0"/>
+                      </a:endParaRPr>
+                    </a:p>
+                  </a:txBody>
+                  <a:tcPr marL="6350" marR="6350" marT="6350" marB="0" anchor="b"/>
+                </a:tc>
+                <a:extLst>
+                  <a:ext uri="{0D108BD9-81ED-4DB2-BD59-A6C34878D82A}">
+                    <a16:rowId xmlns:a16="http://schemas.microsoft.com/office/drawing/2014/main" val="1611848935"/>
+                  </a:ext>
+                </a:extLst>
+              </a:tr>
+            </a:tbl>
+          </a:graphicData>
+        </a:graphic>
+      </p:graphicFrame>
     </p:spTree>
     <p:extLst>
       <p:ext uri="{BB962C8B-B14F-4D97-AF65-F5344CB8AC3E}">
@@ -4017,7 +4518,7 @@
         <p:spPr>
           <a:xfrm>
             <a:off x="839788" y="5078789"/>
-            <a:ext cx="7440612" cy="923330"/>
+            <a:ext cx="7440612" cy="1323439"/>
           </a:xfrm>
           <a:prstGeom prst="rect">
             <a:avLst/>
@@ -4031,20 +4532,31 @@
           <a:lstStyle/>
           <a:p>
             <a:r>
-              <a:rPr lang="en-IN" dirty="0"/>
-              <a:t>#Findings</a:t>
-            </a:r>
-          </a:p>
-          <a:p>
-            <a:r>
-              <a:rPr lang="en-IN" dirty="0"/>
-              <a:t>#1. Most of the loans taken are by verified people(25% + 31% = 56 %)</a:t>
-            </a:r>
-          </a:p>
-          <a:p>
-            <a:r>
-              <a:rPr lang="en-IN" dirty="0"/>
-              <a:t>#2. Non verified people loans are around 43.5%</a:t>
+              <a:rPr lang="en-IN" sz="2000" dirty="0"/>
+              <a:t>Findings</a:t>
+            </a:r>
+          </a:p>
+          <a:p>
+            <a:endParaRPr lang="en-IN" sz="2000" dirty="0"/>
+          </a:p>
+          <a:p>
+            <a:pPr marL="342900" indent="-342900">
+              <a:buFont typeface="Arial" panose="020B0604020202020204" pitchFamily="34" charset="0"/>
+              <a:buChar char="•"/>
+            </a:pPr>
+            <a:r>
+              <a:rPr lang="en-IN" sz="2000" dirty="0"/>
+              <a:t>Most of the loans taken are by verified people(25% + 31% = 56 %)</a:t>
+            </a:r>
+          </a:p>
+          <a:p>
+            <a:pPr marL="342900" indent="-342900">
+              <a:buFont typeface="Arial" panose="020B0604020202020204" pitchFamily="34" charset="0"/>
+              <a:buChar char="•"/>
+            </a:pPr>
+            <a:r>
+              <a:rPr lang="en-IN" sz="2000" dirty="0"/>
+              <a:t>Non verified people loans are around 43.5%</a:t>
             </a:r>
           </a:p>
         </p:txBody>
@@ -4478,8 +4990,8 @@
         </p:nvSpPr>
         <p:spPr>
           <a:xfrm>
-            <a:off x="708025" y="5151092"/>
-            <a:ext cx="6096000" cy="1477328"/>
+            <a:off x="708024" y="5151092"/>
+            <a:ext cx="10731501" cy="1231106"/>
           </a:xfrm>
           <a:prstGeom prst="rect">
             <a:avLst/>
@@ -4493,20 +5005,20 @@
           <a:lstStyle/>
           <a:p>
             <a:r>
+              <a:rPr lang="en-IN" sz="2000" dirty="0"/>
+              <a:t>Findings</a:t>
+            </a:r>
+          </a:p>
+          <a:p>
+            <a:r>
               <a:rPr lang="en-IN" dirty="0"/>
-              <a:t>#Findings</a:t>
+              <a:t>1. Most loans were taken in the year 2011</a:t>
             </a:r>
           </a:p>
           <a:p>
             <a:r>
               <a:rPr lang="en-IN" dirty="0"/>
-              <a:t>#1. Most loans were taken in the year 2011</a:t>
-            </a:r>
-          </a:p>
-          <a:p>
-            <a:r>
-              <a:rPr lang="en-IN" dirty="0"/>
-              <a:t>#2. In 2007 people took least loans(Loan interest rate might be the reason for this. Maybe in 2007-2008 loan interest rates were high)</a:t>
+              <a:t>2. In 2007 people took least loans(Loan interest rate might be the reason for this. Maybe in 2007-2008 loan interest rates were high)</a:t>
             </a:r>
           </a:p>
         </p:txBody>
@@ -5276,7 +5788,7 @@
         <p:spPr>
           <a:xfrm>
             <a:off x="6184901" y="5019627"/>
-            <a:ext cx="6096000" cy="1200329"/>
+            <a:ext cx="6096000" cy="1631216"/>
           </a:xfrm>
           <a:prstGeom prst="rect">
             <a:avLst/>
@@ -5290,20 +5802,28 @@
           <a:lstStyle/>
           <a:p>
             <a:r>
-              <a:rPr lang="en-IN" dirty="0"/>
-              <a:t>#Findings</a:t>
-            </a:r>
-          </a:p>
-          <a:p>
-            <a:r>
-              <a:rPr lang="en-IN" dirty="0"/>
-              <a:t>#1. At the start of the year people generally take lesser loans</a:t>
-            </a:r>
-          </a:p>
-          <a:p>
-            <a:r>
-              <a:rPr lang="en-IN" dirty="0"/>
-              <a:t>#2. At the end of the year people generally seems to take more loans.</a:t>
+              <a:rPr lang="en-IN" sz="2000" dirty="0"/>
+              <a:t>Findings</a:t>
+            </a:r>
+          </a:p>
+          <a:p>
+            <a:pPr marL="342900" indent="-342900">
+              <a:buFont typeface="Arial" panose="020B0604020202020204" pitchFamily="34" charset="0"/>
+              <a:buChar char="•"/>
+            </a:pPr>
+            <a:r>
+              <a:rPr lang="en-IN" sz="2000" dirty="0"/>
+              <a:t>At the start of the year people generally take lesser loans</a:t>
+            </a:r>
+          </a:p>
+          <a:p>
+            <a:pPr marL="342900" indent="-342900">
+              <a:buFont typeface="Arial" panose="020B0604020202020204" pitchFamily="34" charset="0"/>
+              <a:buChar char="•"/>
+            </a:pPr>
+            <a:r>
+              <a:rPr lang="en-IN" sz="2000" dirty="0"/>
+              <a:t>At the end of the year people generally seems to take more loans.</a:t>
             </a:r>
           </a:p>
         </p:txBody>
@@ -5465,14 +5985,14 @@
           <p:nvPr>
             <p:extLst>
               <p:ext uri="{D42A27DB-BD31-4B8C-83A1-F6EECF244321}">
-                <p14:modId xmlns:p14="http://schemas.microsoft.com/office/powerpoint/2010/main" val="3909233258"/>
+                <p14:modId xmlns:p14="http://schemas.microsoft.com/office/powerpoint/2010/main" val="410066027"/>
               </p:ext>
             </p:extLst>
           </p:nvPr>
         </p:nvGraphicFramePr>
         <p:xfrm>
           <a:off x="342900" y="2150110"/>
-          <a:ext cx="4051300" cy="4250690"/>
+          <a:ext cx="4051300" cy="3570204"/>
         </p:xfrm>
         <a:graphic>
           <a:graphicData uri="http://schemas.openxmlformats.org/drawingml/2006/table">
@@ -5503,10 +6023,10 @@
                     <a:lstStyle/>
                     <a:p>
                       <a:r>
-                        <a:rPr lang="en-US" dirty="0"/>
+                        <a:rPr lang="en-US" sz="1600" dirty="0"/>
                         <a:t>Grade</a:t>
                       </a:r>
-                      <a:endParaRPr lang="en-IN" dirty="0"/>
+                      <a:endParaRPr lang="en-IN" sz="1600" dirty="0"/>
                     </a:p>
                   </a:txBody>
                   <a:tcPr/>
@@ -5517,10 +6037,10 @@
                     <a:lstStyle/>
                     <a:p>
                       <a:r>
-                        <a:rPr lang="en-US" dirty="0"/>
+                        <a:rPr lang="en-US" sz="1600" dirty="0"/>
                         <a:t>Percentage</a:t>
                       </a:r>
-                      <a:endParaRPr lang="en-IN" dirty="0"/>
+                      <a:endParaRPr lang="en-IN" sz="1600" dirty="0"/>
                     </a:p>
                   </a:txBody>
                   <a:tcPr/>
@@ -5539,7 +6059,7 @@
                     <a:p>
                       <a:pPr algn="ctr" fontAlgn="ctr"/>
                       <a:r>
-                        <a:rPr lang="en-IN" sz="2800" b="0" i="0" u="none" strike="noStrike" dirty="0">
+                        <a:rPr lang="en-IN" sz="1800" b="0" i="0" u="none" strike="noStrike" dirty="0">
                           <a:solidFill>
                             <a:srgbClr val="000000"/>
                           </a:solidFill>
@@ -5559,7 +6079,7 @@
                     <a:p>
                       <a:pPr algn="ctr" fontAlgn="b"/>
                       <a:r>
-                        <a:rPr lang="en-IN" sz="3600" b="0" i="0" u="none" strike="noStrike">
+                        <a:rPr lang="en-IN" sz="2400" b="0" i="0" u="none" strike="noStrike">
                           <a:solidFill>
                             <a:srgbClr val="000000"/>
                           </a:solidFill>
@@ -5586,7 +6106,7 @@
                     <a:p>
                       <a:pPr algn="ctr" fontAlgn="ctr"/>
                       <a:r>
-                        <a:rPr lang="en-IN" sz="2800" b="0" i="0" u="none" strike="noStrike">
+                        <a:rPr lang="en-IN" sz="1800" b="0" i="0" u="none" strike="noStrike" dirty="0">
                           <a:solidFill>
                             <a:srgbClr val="000000"/>
                           </a:solidFill>
@@ -5606,7 +6126,7 @@
                     <a:p>
                       <a:pPr algn="ctr" fontAlgn="b"/>
                       <a:r>
-                        <a:rPr lang="en-IN" sz="3600" b="0" i="0" u="none" strike="noStrike">
+                        <a:rPr lang="en-IN" sz="2400" b="0" i="0" u="none" strike="noStrike">
                           <a:solidFill>
                             <a:srgbClr val="000000"/>
                           </a:solidFill>
@@ -5633,7 +6153,7 @@
                     <a:p>
                       <a:pPr algn="ctr" fontAlgn="ctr"/>
                       <a:r>
-                        <a:rPr lang="en-IN" sz="2800" b="0" i="0" u="none" strike="noStrike">
+                        <a:rPr lang="en-IN" sz="1800" b="0" i="0" u="none" strike="noStrike">
                           <a:solidFill>
                             <a:srgbClr val="000000"/>
                           </a:solidFill>
@@ -5653,7 +6173,7 @@
                     <a:p>
                       <a:pPr algn="ctr" fontAlgn="b"/>
                       <a:r>
-                        <a:rPr lang="en-IN" sz="3600" b="0" i="0" u="none" strike="noStrike">
+                        <a:rPr lang="en-IN" sz="2400" b="0" i="0" u="none" strike="noStrike">
                           <a:solidFill>
                             <a:srgbClr val="000000"/>
                           </a:solidFill>
@@ -5680,7 +6200,7 @@
                     <a:p>
                       <a:pPr algn="ctr" fontAlgn="ctr"/>
                       <a:r>
-                        <a:rPr lang="en-IN" sz="2800" b="0" i="0" u="none" strike="noStrike">
+                        <a:rPr lang="en-IN" sz="1800" b="0" i="0" u="none" strike="noStrike">
                           <a:solidFill>
                             <a:srgbClr val="000000"/>
                           </a:solidFill>
@@ -5700,7 +6220,7 @@
                     <a:p>
                       <a:pPr algn="ctr" fontAlgn="b"/>
                       <a:r>
-                        <a:rPr lang="en-IN" sz="3600" b="0" i="0" u="none" strike="noStrike">
+                        <a:rPr lang="en-IN" sz="2400" b="0" i="0" u="none" strike="noStrike">
                           <a:solidFill>
                             <a:srgbClr val="000000"/>
                           </a:solidFill>
@@ -5727,7 +6247,7 @@
                     <a:p>
                       <a:pPr algn="ctr" fontAlgn="ctr"/>
                       <a:r>
-                        <a:rPr lang="en-IN" sz="2800" b="0" i="0" u="none" strike="noStrike">
+                        <a:rPr lang="en-IN" sz="1800" b="0" i="0" u="none" strike="noStrike">
                           <a:solidFill>
                             <a:srgbClr val="000000"/>
                           </a:solidFill>
@@ -5747,7 +6267,7 @@
                     <a:p>
                       <a:pPr algn="ctr" fontAlgn="b"/>
                       <a:r>
-                        <a:rPr lang="en-IN" sz="3600" b="0" i="0" u="none" strike="noStrike">
+                        <a:rPr lang="en-IN" sz="2400" b="0" i="0" u="none" strike="noStrike">
                           <a:solidFill>
                             <a:srgbClr val="000000"/>
                           </a:solidFill>
@@ -5774,7 +6294,7 @@
                     <a:p>
                       <a:pPr algn="ctr" fontAlgn="ctr"/>
                       <a:r>
-                        <a:rPr lang="en-IN" sz="2800" b="0" i="0" u="none" strike="noStrike">
+                        <a:rPr lang="en-IN" sz="1800" b="0" i="0" u="none" strike="noStrike">
                           <a:solidFill>
                             <a:srgbClr val="000000"/>
                           </a:solidFill>
@@ -5794,7 +6314,7 @@
                     <a:p>
                       <a:pPr algn="ctr" fontAlgn="b"/>
                       <a:r>
-                        <a:rPr lang="en-IN" sz="3600" b="0" i="0" u="none" strike="noStrike">
+                        <a:rPr lang="en-IN" sz="2400" b="0" i="0" u="none" strike="noStrike">
                           <a:solidFill>
                             <a:srgbClr val="000000"/>
                           </a:solidFill>
@@ -5821,7 +6341,7 @@
                     <a:p>
                       <a:pPr algn="ctr" fontAlgn="ctr"/>
                       <a:r>
-                        <a:rPr lang="en-IN" sz="2800" b="0" i="0" u="none" strike="noStrike">
+                        <a:rPr lang="en-IN" sz="1800" b="0" i="0" u="none" strike="noStrike">
                           <a:solidFill>
                             <a:srgbClr val="000000"/>
                           </a:solidFill>
@@ -5841,7 +6361,7 @@
                     <a:p>
                       <a:pPr algn="ctr" fontAlgn="b"/>
                       <a:r>
-                        <a:rPr lang="en-IN" sz="3600" b="0" i="0" u="none" strike="noStrike" dirty="0">
+                        <a:rPr lang="en-IN" sz="2400" b="0" i="0" u="none" strike="noStrike" dirty="0">
                           <a:solidFill>
                             <a:srgbClr val="000000"/>
                           </a:solidFill>
@@ -5974,7 +6494,7 @@
         <p:spPr>
           <a:xfrm>
             <a:off x="502915" y="2473236"/>
-            <a:ext cx="6096000" cy="1200329"/>
+            <a:ext cx="6096000" cy="1785104"/>
           </a:xfrm>
           <a:prstGeom prst="rect">
             <a:avLst/>
@@ -5988,20 +6508,31 @@
           <a:lstStyle/>
           <a:p>
             <a:r>
+              <a:rPr lang="en-IN" sz="2800" dirty="0"/>
+              <a:t>Findings</a:t>
+            </a:r>
+          </a:p>
+          <a:p>
+            <a:endParaRPr lang="en-IN" sz="2800" dirty="0"/>
+          </a:p>
+          <a:p>
+            <a:pPr marL="285750" indent="-285750">
+              <a:buFont typeface="Arial" panose="020B0604020202020204" pitchFamily="34" charset="0"/>
+              <a:buChar char="•"/>
+            </a:pPr>
+            <a:r>
               <a:rPr lang="en-IN" dirty="0"/>
-              <a:t>#Findings</a:t>
-            </a:r>
-          </a:p>
-          <a:p>
+              <a:t>Grade A4, B3, A5 take almost equal amount of loans and maximum number of loans.</a:t>
+            </a:r>
+          </a:p>
+          <a:p>
+            <a:pPr marL="285750" indent="-285750">
+              <a:buFont typeface="Arial" panose="020B0604020202020204" pitchFamily="34" charset="0"/>
+              <a:buChar char="•"/>
+            </a:pPr>
             <a:r>
               <a:rPr lang="en-IN" dirty="0"/>
-              <a:t>#1. Grade A4, B3, A5 take almost equal amount of loans and maximum number of loans.</a:t>
-            </a:r>
-          </a:p>
-          <a:p>
-            <a:r>
-              <a:rPr lang="en-IN" dirty="0"/>
-              <a:t>#2. Grade G5 applicants take least amount of loans.</a:t>
+              <a:t>Grade G5 applicants take least amount of loans.</a:t>
             </a:r>
           </a:p>
         </p:txBody>
@@ -6871,7 +7402,7 @@
         <p:spPr>
           <a:xfrm>
             <a:off x="6096000" y="5259388"/>
-            <a:ext cx="6096000" cy="923330"/>
+            <a:ext cx="6096000" cy="1015663"/>
           </a:xfrm>
           <a:prstGeom prst="rect">
             <a:avLst/>
@@ -6885,20 +7416,32 @@
           <a:lstStyle/>
           <a:p>
             <a:r>
+              <a:rPr lang="en-IN" sz="2000" dirty="0"/>
+              <a:t>Findings</a:t>
+            </a:r>
+          </a:p>
+          <a:p>
+            <a:pPr marL="285750" indent="-285750">
+              <a:buFont typeface="Arial" panose="020B0604020202020204" pitchFamily="34" charset="0"/>
+              <a:buChar char="•"/>
+            </a:pPr>
+            <a:r>
+              <a:rPr lang="en-IN" sz="2000" dirty="0"/>
+              <a:t>almost 50% loans are taken to pay out existing loans.</a:t>
+            </a:r>
+          </a:p>
+          <a:p>
+            <a:pPr marL="285750" indent="-285750">
+              <a:buFont typeface="Arial" panose="020B0604020202020204" pitchFamily="34" charset="0"/>
+              <a:buChar char="•"/>
+            </a:pPr>
+            <a:r>
+              <a:rPr lang="en-IN" sz="2000" dirty="0"/>
+              <a:t>13% loans are taken to pay credit card balances</a:t>
+            </a:r>
+            <a:r>
               <a:rPr lang="en-IN" dirty="0"/>
-              <a:t>#Findings</a:t>
-            </a:r>
-          </a:p>
-          <a:p>
-            <a:r>
-              <a:rPr lang="en-IN" dirty="0"/>
-              <a:t>#1. almost 50% loans are taken to pay out existing loans.</a:t>
-            </a:r>
-          </a:p>
-          <a:p>
-            <a:r>
-              <a:rPr lang="en-IN" dirty="0"/>
-              <a:t>#2. 13% loans are taken to pay credit card balances.</a:t>
+              <a:t>.</a:t>
             </a:r>
           </a:p>
         </p:txBody>
@@ -7018,7 +7561,7 @@
         <p:spPr>
           <a:xfrm>
             <a:off x="5671306" y="4556036"/>
-            <a:ext cx="6096000" cy="1200329"/>
+            <a:ext cx="6096000" cy="1323439"/>
           </a:xfrm>
           <a:prstGeom prst="rect">
             <a:avLst/>
@@ -7032,20 +7575,28 @@
           <a:lstStyle/>
           <a:p>
             <a:r>
-              <a:rPr lang="en-IN" dirty="0"/>
-              <a:t>#Findings</a:t>
-            </a:r>
-          </a:p>
-          <a:p>
-            <a:r>
-              <a:rPr lang="en-IN" dirty="0"/>
-              <a:t>#1. People tend to take loans at the start i.e. 0-1 years of experience or after 10+ years of experience.</a:t>
-            </a:r>
-          </a:p>
-          <a:p>
-            <a:r>
-              <a:rPr lang="en-IN" dirty="0"/>
-              <a:t>#2. for 5-9 years experienced the loans taken are least. </a:t>
+              <a:rPr lang="en-IN" sz="2000" dirty="0"/>
+              <a:t>Findings</a:t>
+            </a:r>
+          </a:p>
+          <a:p>
+            <a:pPr marL="342900" indent="-342900">
+              <a:buFont typeface="Arial" panose="020B0604020202020204" pitchFamily="34" charset="0"/>
+              <a:buChar char="•"/>
+            </a:pPr>
+            <a:r>
+              <a:rPr lang="en-IN" sz="2000" dirty="0"/>
+              <a:t>People tend to take loans at the start i.e. 0-1 years of experience or after 10+ years of experience.</a:t>
+            </a:r>
+          </a:p>
+          <a:p>
+            <a:pPr marL="342900" indent="-342900">
+              <a:buFont typeface="Arial" panose="020B0604020202020204" pitchFamily="34" charset="0"/>
+              <a:buChar char="•"/>
+            </a:pPr>
+            <a:r>
+              <a:rPr lang="en-IN" sz="2000" dirty="0"/>
+              <a:t>for 5-9 years experienced the loans taken are least. </a:t>
             </a:r>
           </a:p>
         </p:txBody>
@@ -8207,7 +8758,7 @@
         <p:spPr>
           <a:xfrm>
             <a:off x="1016000" y="3271776"/>
-            <a:ext cx="6096000" cy="923330"/>
+            <a:ext cx="6096000" cy="1323439"/>
           </a:xfrm>
           <a:prstGeom prst="rect">
             <a:avLst/>
@@ -8221,20 +8772,28 @@
           <a:lstStyle/>
           <a:p>
             <a:r>
-              <a:rPr lang="en-IN" dirty="0"/>
-              <a:t>#Findings</a:t>
-            </a:r>
-          </a:p>
-          <a:p>
-            <a:r>
-              <a:rPr lang="en-IN" dirty="0"/>
-              <a:t>#1. Average loan amount of defaulter is slightly high</a:t>
-            </a:r>
-          </a:p>
-          <a:p>
-            <a:r>
-              <a:rPr lang="en-IN" dirty="0"/>
-              <a:t>#2. There is no major difference in loan amounts of defaulters.</a:t>
+              <a:rPr lang="en-IN" sz="2000" dirty="0"/>
+              <a:t>Findings</a:t>
+            </a:r>
+          </a:p>
+          <a:p>
+            <a:pPr marL="285750" indent="-285750">
+              <a:buFont typeface="Arial" panose="020B0604020202020204" pitchFamily="34" charset="0"/>
+              <a:buChar char="•"/>
+            </a:pPr>
+            <a:r>
+              <a:rPr lang="en-IN" sz="2000" dirty="0"/>
+              <a:t>Average loan amount of defaulter is slightly high</a:t>
+            </a:r>
+          </a:p>
+          <a:p>
+            <a:pPr marL="285750" indent="-285750">
+              <a:buFont typeface="Arial" panose="020B0604020202020204" pitchFamily="34" charset="0"/>
+              <a:buChar char="•"/>
+            </a:pPr>
+            <a:r>
+              <a:rPr lang="en-IN" sz="2000" dirty="0"/>
+              <a:t>There is no major difference in loan amounts of defaulters.</a:t>
             </a:r>
           </a:p>
         </p:txBody>
@@ -8388,7 +8947,7 @@
         <p:spPr>
           <a:xfrm>
             <a:off x="673095" y="2967335"/>
-            <a:ext cx="6096000" cy="923330"/>
+            <a:ext cx="6096000" cy="1261884"/>
           </a:xfrm>
           <a:prstGeom prst="rect">
             <a:avLst/>
@@ -8402,20 +8961,21 @@
           <a:lstStyle/>
           <a:p>
             <a:r>
+              <a:rPr lang="en-IN" sz="2000" dirty="0"/>
+              <a:t>Findings</a:t>
+            </a:r>
+          </a:p>
+          <a:p>
+            <a:endParaRPr lang="en-IN" sz="2000" dirty="0"/>
+          </a:p>
+          <a:p>
+            <a:pPr marL="285750" indent="-285750">
+              <a:buFont typeface="Arial" panose="020B0604020202020204" pitchFamily="34" charset="0"/>
+              <a:buChar char="•"/>
+            </a:pPr>
+            <a:r>
               <a:rPr lang="en-IN" dirty="0"/>
-              <a:t>#Findings</a:t>
-            </a:r>
-          </a:p>
-          <a:p>
-            <a:r>
-              <a:rPr lang="en-IN" dirty="0"/>
-              <a:t>#1. Applicants with high interest rate seems to </a:t>
-            </a:r>
-          </a:p>
-          <a:p>
-            <a:r>
-              <a:rPr lang="en-IN" dirty="0"/>
-              <a:t>default more than lower interest rates.</a:t>
+              <a:t>Applicants with high interest rate seems to default more than lower interest rates.</a:t>
             </a:r>
           </a:p>
         </p:txBody>
@@ -8535,7 +9095,7 @@
         <p:spPr>
           <a:xfrm>
             <a:off x="711200" y="2924982"/>
-            <a:ext cx="6096000" cy="923330"/>
+            <a:ext cx="6096000" cy="1323439"/>
           </a:xfrm>
           <a:prstGeom prst="rect">
             <a:avLst/>
@@ -8549,19 +9109,26 @@
           <a:lstStyle/>
           <a:p>
             <a:r>
-              <a:rPr lang="en-IN" dirty="0"/>
-              <a:t>#Findings</a:t>
-            </a:r>
-          </a:p>
-          <a:p>
-            <a:r>
-              <a:rPr lang="en-IN" dirty="0"/>
-              <a:t>#1. Applicants with higher salary seem to </a:t>
-            </a:r>
-          </a:p>
-          <a:p>
-            <a:r>
-              <a:rPr lang="en-IN" dirty="0"/>
+              <a:rPr lang="en-IN" sz="2000" dirty="0"/>
+              <a:t>Findings</a:t>
+            </a:r>
+          </a:p>
+          <a:p>
+            <a:endParaRPr lang="en-IN" sz="2000" dirty="0"/>
+          </a:p>
+          <a:p>
+            <a:pPr marL="342900" indent="-342900">
+              <a:buFont typeface="Arial" panose="020B0604020202020204" pitchFamily="34" charset="0"/>
+              <a:buChar char="•"/>
+            </a:pPr>
+            <a:r>
+              <a:rPr lang="en-IN" sz="2000" dirty="0"/>
+              <a:t>Applicants with higher salary seem to </a:t>
+            </a:r>
+          </a:p>
+          <a:p>
+            <a:r>
+              <a:rPr lang="en-IN" sz="2000" dirty="0"/>
               <a:t>default a little lesser.</a:t>
             </a:r>
           </a:p>
@@ -9705,7 +10272,7 @@
         </p:nvSpPr>
         <p:spPr>
           <a:xfrm>
-            <a:off x="708875" y="1237593"/>
+            <a:off x="595423" y="1790043"/>
             <a:ext cx="3932237" cy="3811588"/>
           </a:xfrm>
         </p:spPr>
@@ -9718,7 +10285,7 @@
               <a:buChar char="•"/>
             </a:pPr>
             <a:r>
-              <a:rPr lang="en-US" dirty="0"/>
+              <a:rPr lang="en-US" sz="2800" dirty="0"/>
               <a:t>Observations</a:t>
             </a:r>
           </a:p>
@@ -9728,8 +10295,8 @@
               <a:buChar char="•"/>
             </a:pPr>
             <a:r>
-              <a:rPr lang="en-US" dirty="0"/>
-              <a:t>Let us take sample variable as Loan status</a:t>
+              <a:rPr lang="en-US" sz="2400" dirty="0"/>
+              <a:t>Let us take sample target variable as Loan status</a:t>
             </a:r>
           </a:p>
           <a:p>
@@ -9738,14 +10305,14 @@
               <a:buChar char="•"/>
             </a:pPr>
             <a:r>
-              <a:rPr lang="en-US" dirty="0"/>
+              <a:rPr lang="en-US" sz="2400" dirty="0"/>
               <a:t>The variables which are relatively higher correlation with respect to </a:t>
             </a:r>
             <a:r>
-              <a:rPr lang="en-US" dirty="0" err="1"/>
+              <a:rPr lang="en-US" sz="2400" dirty="0" err="1"/>
               <a:t>loan_status</a:t>
             </a:r>
-            <a:endParaRPr lang="en-US" dirty="0"/>
+            <a:endParaRPr lang="en-US" sz="2400" dirty="0"/>
           </a:p>
           <a:p>
             <a:pPr marL="1200150" lvl="2" indent="-285750">
@@ -9753,10 +10320,10 @@
               <a:buChar char="•"/>
             </a:pPr>
             <a:r>
-              <a:rPr lang="en-US" dirty="0" err="1"/>
+              <a:rPr lang="en-US" sz="2000" dirty="0" err="1"/>
               <a:t>Int_rate</a:t>
             </a:r>
-            <a:endParaRPr lang="en-US" dirty="0"/>
+            <a:endParaRPr lang="en-US" sz="2000" dirty="0"/>
           </a:p>
           <a:p>
             <a:pPr marL="1200150" lvl="2" indent="-285750">
@@ -9764,7 +10331,7 @@
               <a:buChar char="•"/>
             </a:pPr>
             <a:r>
-              <a:rPr lang="en-US" dirty="0"/>
+              <a:rPr lang="en-US" sz="2000" dirty="0"/>
               <a:t>term</a:t>
             </a:r>
           </a:p>
@@ -11156,13 +11723,17 @@
           <a:p>
             <a:r>
               <a:rPr lang="en-US" dirty="0"/>
-              <a:t>#Findings</a:t>
-            </a:r>
-          </a:p>
-          <a:p>
+              <a:t>Findings</a:t>
+            </a:r>
+          </a:p>
+          <a:p>
+            <a:pPr marL="285750" indent="-285750">
+              <a:buFont typeface="Arial" panose="020B0604020202020204" pitchFamily="34" charset="0"/>
+              <a:buChar char="•"/>
+            </a:pPr>
             <a:r>
               <a:rPr lang="en-US" dirty="0"/>
-              <a:t>#lower the annual income, higher the default rate</a:t>
+              <a:t>lower the annual income, higher the default rate</a:t>
             </a:r>
             <a:endParaRPr lang="en-IN" dirty="0"/>
           </a:p>
@@ -11741,7 +12312,7 @@
         <p:spPr>
           <a:xfrm>
             <a:off x="839788" y="2967335"/>
-            <a:ext cx="6096000" cy="2585323"/>
+            <a:ext cx="6096000" cy="2862322"/>
           </a:xfrm>
           <a:prstGeom prst="rect">
             <a:avLst/>
@@ -11754,21 +12325,33 @@
           </a:bodyPr>
           <a:lstStyle/>
           <a:p>
+            <a:pPr marL="285750" indent="-285750" algn="just">
+              <a:buFont typeface="Arial" panose="020B0604020202020204" pitchFamily="34" charset="0"/>
+              <a:buChar char="•"/>
+            </a:pPr>
             <a:r>
               <a:rPr lang="en-US" dirty="0"/>
-              <a:t>#We have now compared the default rates across various variables, and some of the important predictors are purpose of the loan, interest rate, annual income, grade etc.</a:t>
-            </a:r>
-          </a:p>
-          <a:p>
+              <a:t>We have now compared the default rates across various variables, and some of the important predictors are purpose of the loan, interest rate, annual income, grade etc.</a:t>
+            </a:r>
+          </a:p>
+          <a:p>
+            <a:pPr marL="285750" indent="-285750" algn="just">
+              <a:buFont typeface="Arial" panose="020B0604020202020204" pitchFamily="34" charset="0"/>
+              <a:buChar char="•"/>
+            </a:pPr>
             <a:r>
               <a:rPr lang="en-US" dirty="0"/>
-              <a:t>#In the credit industry, one of the most important factors affecting default is the purpose of the loan - home loans perform differently than credit cards, credit cards are very different from debt consolidation loans etc.</a:t>
-            </a:r>
-          </a:p>
-          <a:p>
+              <a:t>In the credit industry, one of the most important factors affecting default is the purpose of the loan - home loans perform differently than credit cards, credit cards are very different from debt consolidation loans etc.</a:t>
+            </a:r>
+          </a:p>
+          <a:p>
+            <a:pPr marL="285750" indent="-285750" algn="just">
+              <a:buFont typeface="Arial" panose="020B0604020202020204" pitchFamily="34" charset="0"/>
+              <a:buChar char="•"/>
+            </a:pPr>
             <a:r>
               <a:rPr lang="en-US" dirty="0"/>
-              <a:t>#This comes from business understanding, though let's again have a look at the default rates across the purpose of the loan.</a:t>
+              <a:t>This comes from business understanding, though let's again have a look at the default rates across the purpose of the loan.</a:t>
             </a:r>
           </a:p>
         </p:txBody>
@@ -12547,7 +13130,7 @@
         <p:spPr>
           <a:xfrm>
             <a:off x="463817" y="4832296"/>
-            <a:ext cx="5471306" cy="1477328"/>
+            <a:ext cx="5481437" cy="1477328"/>
           </a:xfrm>
           <a:prstGeom prst="rect">
             <a:avLst/>
@@ -12569,21 +13152,33 @@
             <a:endParaRPr lang="en-US" dirty="0"/>
           </a:p>
           <a:p>
+            <a:pPr marL="285750" indent="-285750">
+              <a:buFont typeface="Arial" panose="020B0604020202020204" pitchFamily="34" charset="0"/>
+              <a:buChar char="•"/>
+            </a:pPr>
             <a:r>
               <a:rPr lang="en-US" dirty="0"/>
-              <a:t>#1. Average Loan amount is 11119</a:t>
-            </a:r>
-          </a:p>
-          <a:p>
+              <a:t>Average Loan amount is 11119</a:t>
+            </a:r>
+          </a:p>
+          <a:p>
+            <a:pPr marL="285750" indent="-285750">
+              <a:buFont typeface="Arial" panose="020B0604020202020204" pitchFamily="34" charset="0"/>
+              <a:buChar char="•"/>
+            </a:pPr>
             <a:r>
               <a:rPr lang="en-US" dirty="0"/>
-              <a:t>#2. Most of the loan taken are in the range 5500 - 15000</a:t>
-            </a:r>
-          </a:p>
-          <a:p>
+              <a:t>Most of the loan taken are in the range 5500 - 15000</a:t>
+            </a:r>
+          </a:p>
+          <a:p>
+            <a:pPr marL="285750" indent="-285750">
+              <a:buFont typeface="Arial" panose="020B0604020202020204" pitchFamily="34" charset="0"/>
+              <a:buChar char="•"/>
+            </a:pPr>
             <a:r>
               <a:rPr lang="en-US" dirty="0"/>
-              <a:t>#3. Maximum loan taken is 35000 and minimum is 500</a:t>
+              <a:t>Maximum loan taken is 35000 and minimum is 500</a:t>
             </a:r>
             <a:endParaRPr lang="en-IN" dirty="0"/>
           </a:p>
@@ -12882,35 +13477,52 @@
             <p:ph type="body" sz="half" idx="2"/>
           </p:nvPr>
         </p:nvSpPr>
-        <p:spPr/>
+        <p:spPr>
+          <a:xfrm>
+            <a:off x="839788" y="2057400"/>
+            <a:ext cx="5171398" cy="3811588"/>
+          </a:xfrm>
+        </p:spPr>
         <p:txBody>
           <a:bodyPr/>
           <a:lstStyle/>
           <a:p>
-            <a:endParaRPr lang="en-US" dirty="0"/>
-          </a:p>
-          <a:p>
+            <a:endParaRPr lang="en-US" sz="2000" dirty="0"/>
+          </a:p>
+          <a:p>
+            <a:r>
+              <a:rPr lang="en-US" sz="2000" dirty="0"/>
+              <a:t>Findings</a:t>
+            </a:r>
+          </a:p>
+          <a:p>
+            <a:pPr marL="285750" indent="-285750">
+              <a:buFont typeface="Arial" panose="020B0604020202020204" pitchFamily="34" charset="0"/>
+              <a:buChar char="•"/>
+            </a:pPr>
             <a:r>
               <a:rPr lang="en-US" dirty="0"/>
-              <a:t>findings</a:t>
-            </a:r>
-          </a:p>
-          <a:p>
+              <a:t>Average salary is 69407</a:t>
+            </a:r>
+          </a:p>
+          <a:p>
+            <a:pPr marL="285750" indent="-285750">
+              <a:buFont typeface="Arial" panose="020B0604020202020204" pitchFamily="34" charset="0"/>
+              <a:buChar char="•"/>
+            </a:pPr>
             <a:r>
               <a:rPr lang="en-US" dirty="0"/>
-              <a:t>#1. Average salary is 69407</a:t>
-            </a:r>
-          </a:p>
-          <a:p>
+              <a:t>Maximum salary is 6000000 and minimum is 4000</a:t>
+            </a:r>
+          </a:p>
+          <a:p>
+            <a:pPr marL="285750" indent="-285750">
+              <a:buFont typeface="Arial" panose="020B0604020202020204" pitchFamily="34" charset="0"/>
+              <a:buChar char="•"/>
+            </a:pPr>
             <a:r>
               <a:rPr lang="en-US" dirty="0"/>
-              <a:t>#2. Maximum salary is 6000000 and minimum is 4000</a:t>
-            </a:r>
-          </a:p>
-          <a:p>
-            <a:r>
-              <a:rPr lang="en-US" dirty="0"/>
-              <a:t>#3. Most applicants have salary range between 41000 and 83000</a:t>
+              <a:t>Most applicants have salary range between 41000 and 83000</a:t>
             </a:r>
             <a:endParaRPr lang="en-IN" dirty="0"/>
           </a:p>
@@ -13065,7 +13677,7 @@
         </p:nvSpPr>
         <p:spPr>
           <a:xfrm>
-            <a:off x="839788" y="2057400"/>
+            <a:off x="839788" y="2619029"/>
             <a:ext cx="5408612" cy="3811588"/>
           </a:xfrm>
         </p:spPr>
@@ -13074,8 +13686,8 @@
           <a:lstStyle/>
           <a:p>
             <a:r>
-              <a:rPr lang="en-US" dirty="0"/>
-              <a:t>findings</a:t>
+              <a:rPr lang="en-US" sz="2400" dirty="0"/>
+              <a:t>Findings</a:t>
             </a:r>
           </a:p>
           <a:p>
@@ -13578,8 +14190,8 @@
         </p:nvSpPr>
         <p:spPr>
           <a:xfrm>
-            <a:off x="954315" y="5037297"/>
-            <a:ext cx="6096000" cy="1477328"/>
+            <a:off x="914558" y="5318762"/>
+            <a:ext cx="10145706" cy="1015663"/>
           </a:xfrm>
           <a:prstGeom prst="rect">
             <a:avLst/>
@@ -13593,20 +14205,28 @@
           <a:lstStyle/>
           <a:p>
             <a:r>
+              <a:rPr lang="en-IN" sz="2400" dirty="0"/>
+              <a:t>Findings</a:t>
+            </a:r>
+          </a:p>
+          <a:p>
+            <a:pPr marL="285750" indent="-285750">
+              <a:buFont typeface="Arial" panose="020B0604020202020204" pitchFamily="34" charset="0"/>
+              <a:buChar char="•"/>
+            </a:pPr>
+            <a:r>
               <a:rPr lang="en-IN" dirty="0"/>
-              <a:t>#Findings</a:t>
-            </a:r>
-          </a:p>
-          <a:p>
+              <a:t>Most people who take loans are staying at rented houses(48%) or have mortgaged their houses(44%).</a:t>
+            </a:r>
+          </a:p>
+          <a:p>
+            <a:pPr marL="285750" indent="-285750">
+              <a:buFont typeface="Arial" panose="020B0604020202020204" pitchFamily="34" charset="0"/>
+              <a:buChar char="•"/>
+            </a:pPr>
             <a:r>
               <a:rPr lang="en-IN" dirty="0"/>
-              <a:t>#1. Most people who take loans are staying at rented houses(48%) or have mortgaged their houses(44%).</a:t>
-            </a:r>
-          </a:p>
-          <a:p>
-            <a:r>
-              <a:rPr lang="en-IN" dirty="0"/>
-              <a:t>#2. People with no houses generally doesn't take any loans(0.01%).</a:t>
+              <a:t>People with no houses generally doesn't take any loans(0.01%).</a:t>
             </a:r>
           </a:p>
         </p:txBody>
